--- a/gpu/EE817 Lecture 10 CUDA Instructions.pptx
+++ b/gpu/EE817 Lecture 10 CUDA Instructions.pptx
@@ -180,6 +180,10 @@
 </p:presentation>
 </file>
 
+<file path=ppt/revisionInfo.xml><?xml version="1.0" encoding="utf-8"?>
+<p1510:revInfo xmlns:a="http://schemas.openxmlformats.org/drawingml/2006/main" xmlns:r="http://schemas.openxmlformats.org/officeDocument/2006/relationships" xmlns:p1510="http://schemas.microsoft.com/office/powerpoint/2015/10/main"/>
+</file>
+
 <file path=ppt/handoutMasters/handoutMaster1.xml><?xml version="1.0" encoding="utf-8"?>
 <p:handoutMaster xmlns:a="http://schemas.openxmlformats.org/drawingml/2006/main" xmlns:r="http://schemas.openxmlformats.org/officeDocument/2006/relationships" xmlns:p="http://schemas.openxmlformats.org/presentationml/2006/main">
   <p:cSld>
@@ -262,7 +266,7 @@
           <a:p>
             <a:fld id="{0958D145-3F61-4970-8B92-DDA610F3EB4F}" type="datetimeFigureOut">
               <a:rPr lang="ko-KR" altLang="en-US" smtClean="0"/>
-              <a:t>2017-05-02</a:t>
+              <a:t>2017-06-14</a:t>
             </a:fld>
             <a:endParaRPr lang="ko-KR" altLang="en-US"/>
           </a:p>
@@ -457,7 +461,7 @@
               <a:pPr>
                 <a:defRPr/>
               </a:pPr>
-              <a:t>2017-05-02</a:t>
+              <a:t>2017-06-14</a:t>
             </a:fld>
             <a:endParaRPr lang="ko-KR" altLang="en-US"/>
           </a:p>
@@ -1229,7 +1233,7 @@
               <a:pPr>
                 <a:defRPr/>
               </a:pPr>
-              <a:t>5/2/2017</a:t>
+              <a:t>6/14/2017</a:t>
             </a:fld>
             <a:endParaRPr lang="en-US" altLang="ko-KR"/>
           </a:p>
@@ -1431,7 +1435,7 @@
               <a:pPr>
                 <a:defRPr/>
               </a:pPr>
-              <a:t>5/2/2017</a:t>
+              <a:t>6/14/2017</a:t>
             </a:fld>
             <a:endParaRPr lang="en-US" altLang="ko-KR"/>
           </a:p>
@@ -1864,7 +1868,7 @@
               <a:pPr>
                 <a:defRPr/>
               </a:pPr>
-              <a:t>5/2/2017</a:t>
+              <a:t>6/14/2017</a:t>
             </a:fld>
             <a:endParaRPr lang="en-US" altLang="ko-KR"/>
           </a:p>
@@ -2061,7 +2065,7 @@
               <a:pPr>
                 <a:defRPr/>
               </a:pPr>
-              <a:t>5/2/2017</a:t>
+              <a:t>6/14/2017</a:t>
             </a:fld>
             <a:endParaRPr lang="en-US" altLang="ko-KR"/>
           </a:p>
@@ -2576,7 +2580,7 @@
               <a:pPr>
                 <a:defRPr/>
               </a:pPr>
-              <a:t>5/2/2017</a:t>
+              <a:t>6/14/2017</a:t>
             </a:fld>
             <a:endParaRPr lang="en-US" altLang="ko-KR"/>
           </a:p>
@@ -2891,7 +2895,7 @@
               <a:pPr>
                 <a:defRPr/>
               </a:pPr>
-              <a:t>5/2/2017</a:t>
+              <a:t>6/14/2017</a:t>
             </a:fld>
             <a:endParaRPr lang="en-US" altLang="ko-KR"/>
           </a:p>
@@ -3394,7 +3398,7 @@
               <a:pPr>
                 <a:defRPr/>
               </a:pPr>
-              <a:t>5/2/2017</a:t>
+              <a:t>6/14/2017</a:t>
             </a:fld>
             <a:endParaRPr lang="en-US" altLang="ko-KR"/>
           </a:p>
@@ -3782,7 +3786,7 @@
               <a:pPr>
                 <a:defRPr/>
               </a:pPr>
-              <a:t>5/2/2017</a:t>
+              <a:t>6/14/2017</a:t>
             </a:fld>
             <a:endParaRPr lang="en-US" altLang="ko-KR"/>
           </a:p>
@@ -4240,7 +4244,7 @@
               <a:pPr>
                 <a:defRPr/>
               </a:pPr>
-              <a:t>5/2/2017</a:t>
+              <a:t>6/14/2017</a:t>
             </a:fld>
             <a:endParaRPr lang="en-US" altLang="ko-KR"/>
           </a:p>
@@ -4538,7 +4542,7 @@
               <a:pPr>
                 <a:defRPr/>
               </a:pPr>
-              <a:t>5/2/2017</a:t>
+              <a:t>6/14/2017</a:t>
             </a:fld>
             <a:endParaRPr lang="en-US" altLang="ko-KR"/>
           </a:p>
@@ -4868,7 +4872,7 @@
               <a:pPr>
                 <a:defRPr/>
               </a:pPr>
-              <a:t>5/2/2017</a:t>
+              <a:t>6/14/2017</a:t>
             </a:fld>
             <a:endParaRPr lang="en-US" altLang="ko-KR"/>
           </a:p>
@@ -5386,7 +5390,7 @@
               <a:pPr>
                 <a:defRPr/>
               </a:pPr>
-              <a:t>5/2/2017</a:t>
+              <a:t>6/14/2017</a:t>
             </a:fld>
             <a:endParaRPr lang="en-US" altLang="ko-KR"/>
           </a:p>
@@ -7199,14 +7203,14 @@
           <a:lstStyle/>
           <a:p>
             <a:r>
-              <a:rPr lang="en-US" altLang="ko-KR" dirty="0"/>
+              <a:rPr lang="en-US" altLang="ko-KR" sz="2400" dirty="0"/>
               <a:t>CUDA arithmetic functions:</a:t>
             </a:r>
           </a:p>
           <a:p>
             <a:pPr lvl="1"/>
             <a:r>
-              <a:rPr lang="en-US" altLang="ko-KR" dirty="0"/>
+              <a:rPr lang="en-US" altLang="ko-KR" sz="2000" dirty="0"/>
               <a:t>Intrinsic functions:</a:t>
             </a:r>
           </a:p>
@@ -7215,7 +7219,7 @@
               <a:buNone/>
             </a:pPr>
             <a:r>
-              <a:rPr lang="en-US" altLang="ko-KR" dirty="0"/>
+              <a:rPr lang="en-US" altLang="ko-KR" sz="2000" dirty="0"/>
               <a:t>	They can be accessed only from device code.</a:t>
             </a:r>
           </a:p>
@@ -7224,14 +7228,14 @@
               <a:buNone/>
             </a:pPr>
             <a:r>
-              <a:rPr lang="en-US" altLang="ko-KR" dirty="0"/>
+              <a:rPr lang="en-US" altLang="ko-KR" sz="2000" dirty="0"/>
               <a:t>	Many trigonometric functions which are directly 	implemented in hardware on GPUs.</a:t>
             </a:r>
           </a:p>
           <a:p>
             <a:pPr lvl="1"/>
             <a:r>
-              <a:rPr lang="en-US" altLang="ko-KR" dirty="0"/>
+              <a:rPr lang="en-US" altLang="ko-KR" sz="2000" dirty="0"/>
               <a:t>Standard functions:</a:t>
             </a:r>
           </a:p>
@@ -7240,8 +7244,17 @@
               <a:buNone/>
             </a:pPr>
             <a:r>
-              <a:rPr lang="en-US" altLang="ko-KR" dirty="0"/>
+              <a:rPr lang="en-US" altLang="ko-KR" sz="2000" dirty="0"/>
               <a:t>   	It includes C standard math library, single- 	instruction operations like multiplication and 	addition.</a:t>
+            </a:r>
+          </a:p>
+          <a:p>
+            <a:pPr marL="457200" lvl="1" indent="0">
+              <a:buNone/>
+            </a:pPr>
+            <a:r>
+              <a:rPr lang="en-US" altLang="ko-KR" sz="2000" dirty="0"/>
+              <a:t>Standard and intrinsic functions differ in both numerical accuracy and performance. Standard functions provide full support for a wide range of arithmetic operations. However, many have equivalent intrinsic functions that implement the same functionality but with fewer instructions, improved performance and lower numerical accuracy</a:t>
             </a:r>
           </a:p>
         </p:txBody>
@@ -8192,7 +8205,7 @@
         <p:spPr>
           <a:xfrm>
             <a:off x="-108520" y="1196752"/>
-            <a:ext cx="9433048" cy="4525963"/>
+            <a:ext cx="9433048" cy="5544616"/>
           </a:xfrm>
         </p:spPr>
         <p:txBody>
